--- a/trunk/other/reliableprog.pptx
+++ b/trunk/other/reliableprog.pptx
@@ -6,7 +6,6 @@
   </p:sldMasterIdLst>
   <p:sldIdLst>
     <p:sldId id="256" r:id="rId2"/>
-    <p:sldId id="257" r:id="rId3"/>
   </p:sldIdLst>
   <p:sldSz cx="9144000" cy="6858000" type="screen4x3"/>
   <p:notesSz cx="6858000" cy="9144000"/>
@@ -3222,7 +3221,7 @@
         </p:nvSpPr>
         <p:spPr bwMode="auto">
           <a:xfrm>
-            <a:off x="2338435" y="640824"/>
+            <a:off x="2237324" y="640824"/>
             <a:ext cx="1138079" cy="461651"/>
           </a:xfrm>
           <a:prstGeom prst="rect">
@@ -3271,7 +3270,7 @@
         <p:spPr bwMode="auto">
           <a:xfrm>
             <a:off x="1958712" y="442307"/>
-            <a:ext cx="379723" cy="429343"/>
+            <a:ext cx="278612" cy="429343"/>
           </a:xfrm>
           <a:prstGeom prst="straightConnector1">
             <a:avLst/>
@@ -3300,7 +3299,7 @@
         <p:spPr bwMode="auto">
           <a:xfrm flipV="1">
             <a:off x="1958712" y="871650"/>
-            <a:ext cx="379723" cy="467860"/>
+            <a:ext cx="278612" cy="467860"/>
           </a:xfrm>
           <a:prstGeom prst="straightConnector1">
             <a:avLst/>
@@ -3326,7 +3325,7 @@
         </p:nvSpPr>
         <p:spPr bwMode="auto">
           <a:xfrm>
-            <a:off x="4130422" y="1108683"/>
+            <a:off x="3931036" y="1108683"/>
             <a:ext cx="1056911" cy="461651"/>
           </a:xfrm>
           <a:prstGeom prst="rect">
@@ -3369,10 +3368,6 @@
               </a:rPr>
               <a:t>=0?</a:t>
             </a:r>
-            <a:endParaRPr lang="en-US" sz="2400" dirty="0" smtClean="0">
-              <a:latin typeface="Arial" pitchFamily="34" charset="0"/>
-              <a:cs typeface="Arial" pitchFamily="34" charset="0"/>
-            </a:endParaRPr>
           </a:p>
         </p:txBody>
       </p:sp>
@@ -3388,8 +3383,8 @@
         </p:nvCxnSpPr>
         <p:spPr bwMode="auto">
           <a:xfrm>
-            <a:off x="3476514" y="871650"/>
-            <a:ext cx="653908" cy="467859"/>
+            <a:off x="3375403" y="871650"/>
+            <a:ext cx="555633" cy="467859"/>
           </a:xfrm>
           <a:prstGeom prst="straightConnector1">
             <a:avLst/>
@@ -3415,7 +3410,7 @@
         </p:nvSpPr>
         <p:spPr bwMode="auto">
           <a:xfrm>
-            <a:off x="3622243" y="664799"/>
+            <a:off x="3422857" y="664799"/>
             <a:ext cx="615950" cy="461651"/>
           </a:xfrm>
           <a:prstGeom prst="rect">
@@ -3455,7 +3450,7 @@
         </p:nvSpPr>
         <p:spPr bwMode="auto">
           <a:xfrm>
-            <a:off x="2348948" y="1555224"/>
+            <a:off x="2247837" y="1555224"/>
             <a:ext cx="1130214" cy="461651"/>
           </a:xfrm>
           <a:prstGeom prst="rect">
@@ -3515,7 +3510,7 @@
         </p:nvSpPr>
         <p:spPr bwMode="auto">
           <a:xfrm>
-            <a:off x="2924479" y="1124563"/>
+            <a:off x="2823368" y="1124563"/>
             <a:ext cx="844687" cy="461651"/>
           </a:xfrm>
           <a:prstGeom prst="rect">
@@ -3555,8 +3550,8 @@
         </p:nvSpPr>
         <p:spPr bwMode="auto">
           <a:xfrm>
-            <a:off x="5765665" y="924018"/>
-            <a:ext cx="3359863" cy="830983"/>
+            <a:off x="5574168" y="923869"/>
+            <a:ext cx="3560595" cy="830983"/>
           </a:xfrm>
           <a:prstGeom prst="rect">
             <a:avLst/>
@@ -3596,35 +3591,21 @@
                 <a:latin typeface="Arial" pitchFamily="34" charset="0"/>
                 <a:cs typeface="Arial" pitchFamily="34" charset="0"/>
               </a:rPr>
-              <a:t>SET</a:t>
+              <a:t>RESET</a:t>
             </a:r>
             <a:r>
               <a:rPr lang="en-US" sz="2400" dirty="0" smtClean="0">
                 <a:latin typeface="Arial" pitchFamily="34" charset="0"/>
                 <a:cs typeface="Arial" pitchFamily="34" charset="0"/>
               </a:rPr>
-              <a:t> </a:t>
+              <a:t> pulse</a:t>
             </a:r>
             <a:r>
               <a:rPr lang="en-US" sz="2400" dirty="0" smtClean="0">
                 <a:latin typeface="Arial" pitchFamily="34" charset="0"/>
                 <a:cs typeface="Arial" pitchFamily="34" charset="0"/>
               </a:rPr>
-              <a:t>Pulse, and deploy </a:t>
-            </a:r>
-            <a:r>
-              <a:rPr lang="en-US" sz="2400" dirty="0" smtClean="0">
-                <a:latin typeface="Arial" pitchFamily="34" charset="0"/>
-                <a:cs typeface="Arial" pitchFamily="34" charset="0"/>
-              </a:rPr>
-              <a:t>L2H </a:t>
-            </a:r>
-            <a:r>
-              <a:rPr lang="en-US" sz="2400" dirty="0" smtClean="0">
-                <a:latin typeface="Arial" pitchFamily="34" charset="0"/>
-                <a:cs typeface="Arial" pitchFamily="34" charset="0"/>
-              </a:rPr>
-              <a:t>W&amp;V</a:t>
+              <a:t>, and deploy L2H W&amp;V</a:t>
             </a:r>
             <a:endParaRPr lang="en-US" sz="2400" dirty="0">
               <a:latin typeface="Arial" pitchFamily="34" charset="0"/>
@@ -3643,7 +3624,7 @@
         </p:nvSpPr>
         <p:spPr bwMode="auto">
           <a:xfrm>
-            <a:off x="4658877" y="1555224"/>
+            <a:off x="4459491" y="1555224"/>
             <a:ext cx="747432" cy="461651"/>
           </a:xfrm>
           <a:prstGeom prst="rect">
@@ -3683,8 +3664,8 @@
         </p:nvSpPr>
         <p:spPr bwMode="auto">
           <a:xfrm>
-            <a:off x="3750596" y="1983800"/>
-            <a:ext cx="1816562" cy="830983"/>
+            <a:off x="3624362" y="1983800"/>
+            <a:ext cx="1681999" cy="830983"/>
           </a:xfrm>
           <a:prstGeom prst="rect">
             <a:avLst/>
@@ -3724,7 +3705,14 @@
                 <a:latin typeface="Arial" pitchFamily="34" charset="0"/>
                 <a:cs typeface="Arial" pitchFamily="34" charset="0"/>
               </a:rPr>
-              <a:t> Pulse</a:t>
+              <a:t> </a:t>
+            </a:r>
+            <a:r>
+              <a:rPr lang="en-US" sz="2400" dirty="0" smtClean="0">
+                <a:latin typeface="Arial" pitchFamily="34" charset="0"/>
+                <a:cs typeface="Arial" pitchFamily="34" charset="0"/>
+              </a:rPr>
+              <a:t>pulse</a:t>
             </a:r>
             <a:endParaRPr lang="en-US" sz="2400" dirty="0">
               <a:latin typeface="Arial" pitchFamily="34" charset="0"/>
@@ -3743,7 +3731,7 @@
         </p:nvSpPr>
         <p:spPr bwMode="auto">
           <a:xfrm>
-            <a:off x="3893292" y="3237313"/>
+            <a:off x="3693906" y="3237313"/>
             <a:ext cx="1557676" cy="461651"/>
           </a:xfrm>
           <a:prstGeom prst="rect">
@@ -3807,10 +3795,6 @@
               </a:rPr>
               <a:t>?</a:t>
             </a:r>
-            <a:endParaRPr lang="en-US" sz="2400" dirty="0">
-              <a:latin typeface="Arial" pitchFamily="34" charset="0"/>
-              <a:cs typeface="Arial" pitchFamily="34" charset="0"/>
-            </a:endParaRPr>
           </a:p>
         </p:txBody>
       </p:sp>
@@ -3825,9 +3809,9 @@
           <p:nvPr/>
         </p:nvCxnSpPr>
         <p:spPr bwMode="auto">
-          <a:xfrm>
-            <a:off x="5187333" y="1339509"/>
-            <a:ext cx="578332" cy="1"/>
+          <a:xfrm flipV="1">
+            <a:off x="4987947" y="1339361"/>
+            <a:ext cx="586221" cy="148"/>
           </a:xfrm>
           <a:prstGeom prst="straightConnector1">
             <a:avLst/>
@@ -3853,7 +3837,7 @@
         </p:nvSpPr>
         <p:spPr bwMode="auto">
           <a:xfrm>
-            <a:off x="2924479" y="2016875"/>
+            <a:off x="2823368" y="2016875"/>
             <a:ext cx="844687" cy="461651"/>
           </a:xfrm>
           <a:prstGeom prst="rect">
@@ -3893,7 +3877,7 @@
         </p:nvSpPr>
         <p:spPr bwMode="auto">
           <a:xfrm>
-            <a:off x="2396695" y="2466347"/>
+            <a:off x="2295584" y="2466347"/>
             <a:ext cx="1021558" cy="830983"/>
           </a:xfrm>
           <a:prstGeom prst="rect">
@@ -3939,7 +3923,7 @@
         </p:nvCxnSpPr>
         <p:spPr bwMode="auto">
           <a:xfrm>
-            <a:off x="2916967" y="1994822"/>
+            <a:off x="2815856" y="1994822"/>
             <a:ext cx="0" cy="483704"/>
           </a:xfrm>
           <a:prstGeom prst="straightConnector1">
@@ -3966,7 +3950,7 @@
         </p:nvCxnSpPr>
         <p:spPr bwMode="auto">
           <a:xfrm>
-            <a:off x="2924479" y="1079066"/>
+            <a:off x="2823368" y="1079066"/>
             <a:ext cx="0" cy="483704"/>
           </a:xfrm>
           <a:prstGeom prst="straightConnector1">
@@ -3995,8 +3979,8 @@
         </p:nvCxnSpPr>
         <p:spPr bwMode="auto">
           <a:xfrm flipV="1">
-            <a:off x="3479162" y="1339509"/>
-            <a:ext cx="651260" cy="446541"/>
+            <a:off x="3378051" y="1339509"/>
+            <a:ext cx="552985" cy="446541"/>
           </a:xfrm>
           <a:prstGeom prst="straightConnector1">
             <a:avLst/>
@@ -4022,7 +4006,7 @@
         </p:nvSpPr>
         <p:spPr bwMode="auto">
           <a:xfrm>
-            <a:off x="3622243" y="1533171"/>
+            <a:off x="3441175" y="1533171"/>
             <a:ext cx="615950" cy="461651"/>
           </a:xfrm>
           <a:prstGeom prst="rect">
@@ -4062,7 +4046,7 @@
         </p:nvCxnSpPr>
         <p:spPr bwMode="auto">
           <a:xfrm>
-            <a:off x="4658878" y="1562770"/>
+            <a:off x="4459492" y="1562770"/>
             <a:ext cx="0" cy="427431"/>
           </a:xfrm>
           <a:prstGeom prst="straightConnector1">
@@ -4089,7 +4073,7 @@
         </p:nvCxnSpPr>
         <p:spPr bwMode="auto">
           <a:xfrm>
-            <a:off x="4658878" y="3698964"/>
+            <a:off x="4459492" y="3698964"/>
             <a:ext cx="0" cy="427431"/>
           </a:xfrm>
           <a:prstGeom prst="straightConnector1">
@@ -4116,7 +4100,7 @@
         </p:nvSpPr>
         <p:spPr bwMode="auto">
           <a:xfrm>
-            <a:off x="4657276" y="3681853"/>
+            <a:off x="4457890" y="3681853"/>
             <a:ext cx="944694" cy="461651"/>
           </a:xfrm>
           <a:prstGeom prst="rect">
@@ -4156,7 +4140,7 @@
         </p:nvSpPr>
         <p:spPr bwMode="auto">
           <a:xfrm>
-            <a:off x="3622243" y="4127139"/>
+            <a:off x="3422857" y="4127139"/>
             <a:ext cx="2104606" cy="830983"/>
           </a:xfrm>
           <a:prstGeom prst="rect">
@@ -4183,7 +4167,14 @@
                 <a:latin typeface="Arial" pitchFamily="34" charset="0"/>
                 <a:cs typeface="Arial" pitchFamily="34" charset="0"/>
               </a:rPr>
-              <a:t>Programming Completed</a:t>
+              <a:t>Programming </a:t>
+            </a:r>
+            <a:r>
+              <a:rPr lang="en-US" sz="2400" dirty="0" smtClean="0">
+                <a:latin typeface="Arial" pitchFamily="34" charset="0"/>
+                <a:cs typeface="Arial" pitchFamily="34" charset="0"/>
+              </a:rPr>
+              <a:t>completed</a:t>
             </a:r>
             <a:endParaRPr lang="en-US" sz="2400" dirty="0">
               <a:latin typeface="Arial" pitchFamily="34" charset="0"/>
@@ -4229,7 +4220,7 @@
         </p:nvSpPr>
         <p:spPr bwMode="auto">
           <a:xfrm>
-            <a:off x="5168524" y="924018"/>
+            <a:off x="4925234" y="893737"/>
             <a:ext cx="615950" cy="461651"/>
           </a:xfrm>
           <a:prstGeom prst="rect">
@@ -4269,8 +4260,8 @@
         </p:nvSpPr>
         <p:spPr bwMode="auto">
           <a:xfrm>
-            <a:off x="5784137" y="2489513"/>
-            <a:ext cx="3359863" cy="1200314"/>
+            <a:off x="5638800" y="2489513"/>
+            <a:ext cx="3505200" cy="1200314"/>
           </a:xfrm>
           <a:prstGeom prst="rect">
             <a:avLst/>
@@ -4296,14 +4287,14 @@
                 <a:latin typeface="Arial" pitchFamily="34" charset="0"/>
                 <a:cs typeface="Arial" pitchFamily="34" charset="0"/>
               </a:rPr>
-              <a:t>Set </a:t>
-            </a:r>
-            <a:r>
-              <a:rPr lang="en-US" sz="2400" dirty="0">
-                <a:latin typeface="Arial" pitchFamily="34" charset="0"/>
-                <a:cs typeface="Arial" pitchFamily="34" charset="0"/>
-              </a:rPr>
-              <a:t>target to </a:t>
+              <a:t>Set the transient state as T</a:t>
+            </a:r>
+            <a:r>
+              <a:rPr lang="en-US" sz="2400" baseline="-25000" dirty="0" smtClean="0">
+                <a:latin typeface="Arial" pitchFamily="34" charset="0"/>
+                <a:cs typeface="Arial" pitchFamily="34" charset="0"/>
+              </a:rPr>
+              <a:t>2</a:t>
             </a:r>
             <a:r>
               <a:rPr lang="en-US" sz="2400" dirty="0" smtClean="0">
@@ -4317,7 +4308,7 @@
                 <a:latin typeface="Arial" pitchFamily="34" charset="0"/>
                 <a:cs typeface="Arial" pitchFamily="34" charset="0"/>
               </a:rPr>
-              <a:t>2</a:t>
+              <a:t>1</a:t>
             </a:r>
             <a:r>
               <a:rPr lang="en-US" sz="2400" dirty="0" smtClean="0">
@@ -4331,60 +4322,28 @@
                 <a:latin typeface="Arial" pitchFamily="34" charset="0"/>
                 <a:cs typeface="Arial" pitchFamily="34" charset="0"/>
               </a:rPr>
-              <a:t>1</a:t>
+              <a:t>0</a:t>
             </a:r>
             <a:r>
               <a:rPr lang="en-US" sz="2400" dirty="0" smtClean="0">
                 <a:latin typeface="Arial" pitchFamily="34" charset="0"/>
                 <a:cs typeface="Arial" pitchFamily="34" charset="0"/>
               </a:rPr>
-              <a:t>T</a:t>
-            </a:r>
-            <a:r>
-              <a:rPr lang="en-US" sz="2400" baseline="-25000" dirty="0" smtClean="0">
-                <a:latin typeface="Arial" pitchFamily="34" charset="0"/>
-                <a:cs typeface="Arial" pitchFamily="34" charset="0"/>
-              </a:rPr>
-              <a:t>0</a:t>
+              <a:t>+1, and deploy L2H W&amp;V to </a:t>
             </a:r>
             <a:r>
               <a:rPr lang="en-US" sz="2400" dirty="0" smtClean="0">
                 <a:latin typeface="Arial" pitchFamily="34" charset="0"/>
                 <a:cs typeface="Arial" pitchFamily="34" charset="0"/>
               </a:rPr>
-              <a:t>+1,</a:t>
-            </a:r>
-          </a:p>
-          <a:p>
-            <a:r>
-              <a:rPr lang="en-US" sz="2400" dirty="0">
-                <a:latin typeface="Arial" pitchFamily="34" charset="0"/>
-                <a:cs typeface="Arial" pitchFamily="34" charset="0"/>
-              </a:rPr>
-              <a:t>a</a:t>
+              <a:t>reach </a:t>
             </a:r>
             <a:r>
               <a:rPr lang="en-US" sz="2400" dirty="0" smtClean="0">
                 <a:latin typeface="Arial" pitchFamily="34" charset="0"/>
                 <a:cs typeface="Arial" pitchFamily="34" charset="0"/>
               </a:rPr>
-              <a:t>nd deploy L2H </a:t>
-            </a:r>
-            <a:r>
-              <a:rPr lang="en-US" sz="2400" dirty="0">
-                <a:latin typeface="Arial" pitchFamily="34" charset="0"/>
-                <a:cs typeface="Arial" pitchFamily="34" charset="0"/>
-              </a:rPr>
-              <a:t>W&amp;V</a:t>
-            </a:r>
-          </a:p>
-          <a:p>
-            <a:r>
-              <a:rPr lang="en-US" sz="2400" dirty="0" smtClean="0">
-                <a:latin typeface="Arial" pitchFamily="34" charset="0"/>
-                <a:cs typeface="Arial" pitchFamily="34" charset="0"/>
-              </a:rPr>
-              <a:t>to reach the state</a:t>
+              <a:t>it</a:t>
             </a:r>
             <a:endParaRPr lang="en-US" sz="2400" dirty="0">
               <a:latin typeface="Arial" pitchFamily="34" charset="0"/>
@@ -4403,8 +4362,8 @@
         </p:nvSpPr>
         <p:spPr bwMode="auto">
           <a:xfrm>
-            <a:off x="5765665" y="4049836"/>
-            <a:ext cx="3359863" cy="1200314"/>
+            <a:off x="5638800" y="4046213"/>
+            <a:ext cx="3495963" cy="1200314"/>
           </a:xfrm>
           <a:prstGeom prst="rect">
             <a:avLst/>
@@ -4430,14 +4389,42 @@
                 <a:latin typeface="Arial" pitchFamily="34" charset="0"/>
                 <a:cs typeface="Arial" pitchFamily="34" charset="0"/>
               </a:rPr>
-              <a:t>Start from the transition state, d</a:t>
+              <a:t>Start from the </a:t>
             </a:r>
             <a:r>
               <a:rPr lang="en-US" sz="2400" dirty="0" smtClean="0">
                 <a:latin typeface="Arial" pitchFamily="34" charset="0"/>
                 <a:cs typeface="Arial" pitchFamily="34" charset="0"/>
               </a:rPr>
-              <a:t>eploy H2L W&amp;V to </a:t>
+              <a:t>t</a:t>
+            </a:r>
+            <a:r>
+              <a:rPr lang="en-US" sz="2400" dirty="0" smtClean="0">
+                <a:latin typeface="Arial" pitchFamily="34" charset="0"/>
+                <a:cs typeface="Arial" pitchFamily="34" charset="0"/>
+              </a:rPr>
+              <a:t>ransient </a:t>
+            </a:r>
+            <a:r>
+              <a:rPr lang="en-US" sz="2400" dirty="0" smtClean="0">
+                <a:latin typeface="Arial" pitchFamily="34" charset="0"/>
+                <a:cs typeface="Arial" pitchFamily="34" charset="0"/>
+              </a:rPr>
+              <a:t>state, </a:t>
+            </a:r>
+            <a:r>
+              <a:rPr lang="en-US" sz="2400" dirty="0" smtClean="0">
+                <a:latin typeface="Arial" pitchFamily="34" charset="0"/>
+                <a:cs typeface="Arial" pitchFamily="34" charset="0"/>
+              </a:rPr>
+              <a:t>deploy </a:t>
+            </a:r>
+            <a:r>
+              <a:rPr lang="en-US" sz="2400" dirty="0" smtClean="0">
+                <a:latin typeface="Arial" pitchFamily="34" charset="0"/>
+                <a:cs typeface="Arial" pitchFamily="34" charset="0"/>
+              </a:rPr>
+              <a:t>H2L W&amp;V to </a:t>
             </a:r>
             <a:r>
               <a:rPr lang="en-US" sz="2400" dirty="0">
@@ -4500,8 +4487,8 @@
         </p:nvCxnSpPr>
         <p:spPr bwMode="auto">
           <a:xfrm flipV="1">
-            <a:off x="5450968" y="3089670"/>
-            <a:ext cx="333169" cy="378469"/>
+            <a:off x="5251582" y="3089670"/>
+            <a:ext cx="387218" cy="378469"/>
           </a:xfrm>
           <a:prstGeom prst="straightConnector1">
             <a:avLst/>
@@ -4527,7 +4514,7 @@
         </p:nvSpPr>
         <p:spPr bwMode="auto">
           <a:xfrm>
-            <a:off x="5206412" y="2817253"/>
+            <a:off x="5059797" y="2824942"/>
             <a:ext cx="615950" cy="461651"/>
           </a:xfrm>
           <a:prstGeom prst="rect">
@@ -4557,37 +4544,34 @@
           </a:p>
         </p:txBody>
       </p:sp>
+      <p:cxnSp>
+        <p:nvCxnSpPr>
+          <p:cNvPr id="35" name="Straight Arrow Connector 284"/>
+          <p:cNvCxnSpPr>
+            <a:cxnSpLocks noChangeShapeType="1"/>
+          </p:cNvCxnSpPr>
+          <p:nvPr/>
+        </p:nvCxnSpPr>
+        <p:spPr bwMode="auto">
+          <a:xfrm>
+            <a:off x="4459492" y="2809882"/>
+            <a:ext cx="0" cy="427431"/>
+          </a:xfrm>
+          <a:prstGeom prst="straightConnector1">
+            <a:avLst/>
+          </a:prstGeom>
+          <a:noFill/>
+          <a:ln w="9525" algn="ctr">
+            <a:solidFill>
+              <a:schemeClr val="tx1"/>
+            </a:solidFill>
+            <a:round/>
+            <a:headEnd/>
+            <a:tailEnd type="arrow" w="med" len="med"/>
+          </a:ln>
+        </p:spPr>
+      </p:cxnSp>
     </p:spTree>
-  </p:cSld>
-  <p:clrMapOvr>
-    <a:masterClrMapping/>
-  </p:clrMapOvr>
-</p:sld>
-</file>
-
-<file path=ppt/slides/slide2.xml><?xml version="1.0" encoding="utf-8"?>
-<p:sld xmlns:a="http://schemas.openxmlformats.org/drawingml/2006/main" xmlns:r="http://schemas.openxmlformats.org/officeDocument/2006/relationships" xmlns:p="http://schemas.openxmlformats.org/presentationml/2006/main">
-  <p:cSld>
-    <p:spTree>
-      <p:nvGrpSpPr>
-        <p:cNvPr id="1" name=""/>
-        <p:cNvGrpSpPr/>
-        <p:nvPr/>
-      </p:nvGrpSpPr>
-      <p:grpSpPr>
-        <a:xfrm>
-          <a:off x="0" y="0"/>
-          <a:ext cx="0" cy="0"/>
-          <a:chOff x="0" y="0"/>
-          <a:chExt cx="0" cy="0"/>
-        </a:xfrm>
-      </p:grpSpPr>
-    </p:spTree>
-    <p:extLst>
-      <p:ext uri="{BB962C8B-B14F-4D97-AF65-F5344CB8AC3E}">
-        <p14:creationId xmlns:p14="http://schemas.microsoft.com/office/powerpoint/2010/main" val="3229433588"/>
-      </p:ext>
-    </p:extLst>
   </p:cSld>
   <p:clrMapOvr>
     <a:masterClrMapping/>

--- a/trunk/other/reliableprog.pptx
+++ b/trunk/other/reliableprog.pptx
@@ -3325,8 +3325,8 @@
         </p:nvSpPr>
         <p:spPr bwMode="auto">
           <a:xfrm>
-            <a:off x="3931036" y="1108683"/>
-            <a:ext cx="1056911" cy="461651"/>
+            <a:off x="3978768" y="919239"/>
+            <a:ext cx="1888632" cy="830983"/>
           </a:xfrm>
           <a:prstGeom prst="rect">
             <a:avLst/>
@@ -3348,25 +3348,25 @@
           <a:lstStyle/>
           <a:p>
             <a:r>
-              <a:rPr lang="en-US" sz="2400" dirty="0" smtClean="0">
-                <a:latin typeface="Arial" pitchFamily="34" charset="0"/>
-                <a:cs typeface="Arial" pitchFamily="34" charset="0"/>
-              </a:rPr>
-              <a:t>T</a:t>
-            </a:r>
-            <a:r>
-              <a:rPr lang="en-US" sz="2400" baseline="-25000" dirty="0" smtClean="0">
-                <a:latin typeface="Arial" pitchFamily="34" charset="0"/>
-                <a:cs typeface="Arial" pitchFamily="34" charset="0"/>
-              </a:rPr>
-              <a:t>2</a:t>
-            </a:r>
-            <a:r>
-              <a:rPr lang="en-US" sz="2400" dirty="0" smtClean="0">
-                <a:latin typeface="Arial" pitchFamily="34" charset="0"/>
-                <a:cs typeface="Arial" pitchFamily="34" charset="0"/>
-              </a:rPr>
-              <a:t>=0?</a:t>
+              <a:rPr lang="en-US" sz="2400" dirty="0">
+                <a:latin typeface="Arial" pitchFamily="34" charset="0"/>
+                <a:cs typeface="Arial" pitchFamily="34" charset="0"/>
+              </a:rPr>
+              <a:t>Apply a full V</a:t>
+            </a:r>
+            <a:r>
+              <a:rPr lang="en-US" sz="2400" baseline="-25000" dirty="0">
+                <a:latin typeface="Arial" pitchFamily="34" charset="0"/>
+                <a:cs typeface="Arial" pitchFamily="34" charset="0"/>
+              </a:rPr>
+              <a:t>RESET</a:t>
+            </a:r>
+            <a:r>
+              <a:rPr lang="en-US" sz="2400" dirty="0">
+                <a:latin typeface="Arial" pitchFamily="34" charset="0"/>
+                <a:cs typeface="Arial" pitchFamily="34" charset="0"/>
+              </a:rPr>
+              <a:t> pulse</a:t>
             </a:r>
           </a:p>
         </p:txBody>
@@ -3384,7 +3384,7 @@
         <p:spPr bwMode="auto">
           <a:xfrm>
             <a:off x="3375403" y="871650"/>
-            <a:ext cx="555633" cy="467859"/>
+            <a:ext cx="603365" cy="463081"/>
           </a:xfrm>
           <a:prstGeom prst="straightConnector1">
             <a:avLst/>
@@ -3550,8 +3550,8 @@
         </p:nvSpPr>
         <p:spPr bwMode="auto">
           <a:xfrm>
-            <a:off x="5574168" y="923869"/>
-            <a:ext cx="3560595" cy="830983"/>
+            <a:off x="6324600" y="2131168"/>
+            <a:ext cx="2743200" cy="461651"/>
           </a:xfrm>
           <a:prstGeom prst="rect">
             <a:avLst/>
@@ -3577,35 +3577,7 @@
                 <a:latin typeface="Arial" pitchFamily="34" charset="0"/>
                 <a:cs typeface="Arial" pitchFamily="34" charset="0"/>
               </a:rPr>
-              <a:t>Apply a full </a:t>
-            </a:r>
-            <a:r>
-              <a:rPr lang="en-US" sz="2400" dirty="0" smtClean="0">
-                <a:latin typeface="Arial" pitchFamily="34" charset="0"/>
-                <a:cs typeface="Arial" pitchFamily="34" charset="0"/>
-              </a:rPr>
-              <a:t>V</a:t>
-            </a:r>
-            <a:r>
-              <a:rPr lang="en-US" sz="2400" baseline="-25000" dirty="0" smtClean="0">
-                <a:latin typeface="Arial" pitchFamily="34" charset="0"/>
-                <a:cs typeface="Arial" pitchFamily="34" charset="0"/>
-              </a:rPr>
-              <a:t>RESET</a:t>
-            </a:r>
-            <a:r>
-              <a:rPr lang="en-US" sz="2400" dirty="0" smtClean="0">
-                <a:latin typeface="Arial" pitchFamily="34" charset="0"/>
-                <a:cs typeface="Arial" pitchFamily="34" charset="0"/>
-              </a:rPr>
-              <a:t> pulse</a:t>
-            </a:r>
-            <a:r>
-              <a:rPr lang="en-US" sz="2400" dirty="0" smtClean="0">
-                <a:latin typeface="Arial" pitchFamily="34" charset="0"/>
-                <a:cs typeface="Arial" pitchFamily="34" charset="0"/>
-              </a:rPr>
-              <a:t>, and deploy L2H W&amp;V</a:t>
+              <a:t>Deploy L2H W&amp;V</a:t>
             </a:r>
             <a:endParaRPr lang="en-US" sz="2400" dirty="0">
               <a:latin typeface="Arial" pitchFamily="34" charset="0"/>
@@ -3624,7 +3596,7 @@
         </p:nvSpPr>
         <p:spPr bwMode="auto">
           <a:xfrm>
-            <a:off x="4459491" y="1555224"/>
+            <a:off x="5558118" y="1994822"/>
             <a:ext cx="747432" cy="461651"/>
           </a:xfrm>
           <a:prstGeom prst="rect">
@@ -3645,12 +3617,16 @@
           <a:lstStyle/>
           <a:p>
             <a:r>
-              <a:rPr lang="en-US" sz="2400" dirty="0">
-                <a:latin typeface="Arial" pitchFamily="34" charset="0"/>
-                <a:cs typeface="Arial" pitchFamily="34" charset="0"/>
-              </a:rPr>
-              <a:t>Yes</a:t>
-            </a:r>
+              <a:rPr lang="en-US" sz="2400" dirty="0" smtClean="0">
+                <a:latin typeface="Arial" pitchFamily="34" charset="0"/>
+                <a:cs typeface="Arial" pitchFamily="34" charset="0"/>
+              </a:rPr>
+              <a:t>No</a:t>
+            </a:r>
+            <a:endParaRPr lang="en-US" sz="2400" dirty="0">
+              <a:latin typeface="Arial" pitchFamily="34" charset="0"/>
+              <a:cs typeface="Arial" pitchFamily="34" charset="0"/>
+            </a:endParaRPr>
           </a:p>
         </p:txBody>
       </p:sp>
@@ -3664,8 +3640,8 @@
         </p:nvSpPr>
         <p:spPr bwMode="auto">
           <a:xfrm>
-            <a:off x="3624362" y="1983800"/>
-            <a:ext cx="1681999" cy="830983"/>
+            <a:off x="4396127" y="2131932"/>
+            <a:ext cx="1053913" cy="461651"/>
           </a:xfrm>
           <a:prstGeom prst="rect">
             <a:avLst/>
@@ -3687,32 +3663,25 @@
           <a:lstStyle/>
           <a:p>
             <a:r>
-              <a:rPr lang="en-US" sz="2400" dirty="0">
-                <a:latin typeface="Arial" pitchFamily="34" charset="0"/>
-                <a:cs typeface="Arial" pitchFamily="34" charset="0"/>
-              </a:rPr>
-              <a:t>Apply a full I</a:t>
-            </a:r>
-            <a:r>
-              <a:rPr lang="en-US" sz="2400" baseline="-25000" dirty="0">
-                <a:latin typeface="Arial" pitchFamily="34" charset="0"/>
-                <a:cs typeface="Arial" pitchFamily="34" charset="0"/>
-              </a:rPr>
-              <a:t>SET</a:t>
-            </a:r>
-            <a:r>
-              <a:rPr lang="en-US" sz="2400" dirty="0">
-                <a:latin typeface="Arial" pitchFamily="34" charset="0"/>
-                <a:cs typeface="Arial" pitchFamily="34" charset="0"/>
-              </a:rPr>
-              <a:t> </a:t>
-            </a:r>
-            <a:r>
               <a:rPr lang="en-US" sz="2400" dirty="0" smtClean="0">
                 <a:latin typeface="Arial" pitchFamily="34" charset="0"/>
                 <a:cs typeface="Arial" pitchFamily="34" charset="0"/>
               </a:rPr>
-              <a:t>pulse</a:t>
+              <a:t>T</a:t>
+            </a:r>
+            <a:r>
+              <a:rPr lang="en-US" sz="2400" baseline="-25000" dirty="0" smtClean="0">
+                <a:latin typeface="Arial" pitchFamily="34" charset="0"/>
+                <a:cs typeface="Arial" pitchFamily="34" charset="0"/>
+              </a:rPr>
+              <a:t>2</a:t>
+            </a:r>
+            <a:r>
+              <a:rPr lang="en-US" sz="2400" dirty="0" smtClean="0">
+                <a:latin typeface="Arial" pitchFamily="34" charset="0"/>
+                <a:cs typeface="Arial" pitchFamily="34" charset="0"/>
+              </a:rPr>
+              <a:t>=0?</a:t>
             </a:r>
             <a:endParaRPr lang="en-US" sz="2400" dirty="0">
               <a:latin typeface="Arial" pitchFamily="34" charset="0"/>
@@ -3731,8 +3700,8 @@
         </p:nvSpPr>
         <p:spPr bwMode="auto">
           <a:xfrm>
-            <a:off x="3693906" y="3237313"/>
-            <a:ext cx="1557676" cy="461651"/>
+            <a:off x="4193375" y="2986986"/>
+            <a:ext cx="1540675" cy="461651"/>
           </a:xfrm>
           <a:prstGeom prst="rect">
             <a:avLst/>
@@ -3786,15 +3755,12 @@
                 <a:latin typeface="Arial" pitchFamily="34" charset="0"/>
                 <a:cs typeface="Arial" pitchFamily="34" charset="0"/>
               </a:rPr>
-              <a:t>=11</a:t>
-            </a:r>
-            <a:r>
-              <a:rPr lang="en-US" sz="2400" dirty="0">
-                <a:latin typeface="Arial" pitchFamily="34" charset="0"/>
-                <a:cs typeface="Arial" pitchFamily="34" charset="0"/>
-              </a:rPr>
-              <a:t>?</a:t>
-            </a:r>
+              <a:t>=00?</a:t>
+            </a:r>
+            <a:endParaRPr lang="en-US" sz="2400" dirty="0">
+              <a:latin typeface="Arial" pitchFamily="34" charset="0"/>
+              <a:cs typeface="Arial" pitchFamily="34" charset="0"/>
+            </a:endParaRPr>
           </a:p>
         </p:txBody>
       </p:sp>
@@ -3803,15 +3769,13 @@
           <p:cNvPr id="22" name="Straight Arrow Connector 299"/>
           <p:cNvCxnSpPr>
             <a:cxnSpLocks noChangeShapeType="1"/>
-            <a:stCxn id="9" idx="3"/>
-            <a:endCxn id="16" idx="1"/>
           </p:cNvCxnSpPr>
           <p:nvPr/>
         </p:nvCxnSpPr>
         <p:spPr bwMode="auto">
-          <a:xfrm flipV="1">
-            <a:off x="4987947" y="1339361"/>
-            <a:ext cx="586221" cy="148"/>
+          <a:xfrm>
+            <a:off x="5734050" y="3217811"/>
+            <a:ext cx="571500" cy="0"/>
           </a:xfrm>
           <a:prstGeom prst="straightConnector1">
             <a:avLst/>
@@ -3877,8 +3841,8 @@
         </p:nvSpPr>
         <p:spPr bwMode="auto">
           <a:xfrm>
-            <a:off x="2295584" y="2466347"/>
-            <a:ext cx="1021558" cy="830983"/>
+            <a:off x="1913759" y="2484407"/>
+            <a:ext cx="1819217" cy="461651"/>
           </a:xfrm>
           <a:prstGeom prst="rect">
             <a:avLst/>
@@ -3979,8 +3943,8 @@
         </p:nvCxnSpPr>
         <p:spPr bwMode="auto">
           <a:xfrm flipV="1">
-            <a:off x="3378051" y="1339509"/>
-            <a:ext cx="552985" cy="446541"/>
+            <a:off x="3378051" y="1334731"/>
+            <a:ext cx="600717" cy="451319"/>
           </a:xfrm>
           <a:prstGeom prst="straightConnector1">
             <a:avLst/>
@@ -4006,7 +3970,7 @@
         </p:nvSpPr>
         <p:spPr bwMode="auto">
           <a:xfrm>
-            <a:off x="3441175" y="1533171"/>
+            <a:off x="3441175" y="1572658"/>
             <a:ext cx="615950" cy="461651"/>
           </a:xfrm>
           <a:prstGeom prst="rect">
@@ -4041,13 +4005,14 @@
           <p:cNvPr id="62" name="Straight Arrow Connector 284"/>
           <p:cNvCxnSpPr>
             <a:cxnSpLocks noChangeShapeType="1"/>
+            <a:endCxn id="19" idx="0"/>
           </p:cNvCxnSpPr>
           <p:nvPr/>
         </p:nvCxnSpPr>
         <p:spPr bwMode="auto">
           <a:xfrm>
-            <a:off x="4459492" y="1562770"/>
-            <a:ext cx="0" cy="427431"/>
+            <a:off x="4923083" y="1750222"/>
+            <a:ext cx="1" cy="381710"/>
           </a:xfrm>
           <a:prstGeom prst="straightConnector1">
             <a:avLst/>
@@ -4063,9 +4028,55 @@
           </a:ln>
         </p:spPr>
       </p:cxnSp>
+      <p:sp>
+        <p:nvSpPr>
+          <p:cNvPr id="68" name="TextBox 296"/>
+          <p:cNvSpPr txBox="1">
+            <a:spLocks noChangeArrowheads="1"/>
+          </p:cNvSpPr>
+          <p:nvPr/>
+        </p:nvSpPr>
+        <p:spPr bwMode="auto">
+          <a:xfrm>
+            <a:off x="3891312" y="3837069"/>
+            <a:ext cx="2063543" cy="830983"/>
+          </a:xfrm>
+          <a:prstGeom prst="rect">
+            <a:avLst/>
+          </a:prstGeom>
+          <a:noFill/>
+          <a:ln w="19050">
+            <a:solidFill>
+              <a:schemeClr val="tx1"/>
+            </a:solidFill>
+            <a:miter lim="800000"/>
+            <a:headEnd/>
+            <a:tailEnd/>
+          </a:ln>
+        </p:spPr>
+        <p:txBody>
+          <a:bodyPr wrap="square" lIns="91427" tIns="45713" rIns="91427" bIns="45713">
+            <a:spAutoFit/>
+          </a:bodyPr>
+          <a:lstStyle/>
+          <a:p>
+            <a:r>
+              <a:rPr lang="en-US" sz="2400" dirty="0" smtClean="0">
+                <a:latin typeface="Arial" pitchFamily="34" charset="0"/>
+                <a:cs typeface="Arial" pitchFamily="34" charset="0"/>
+              </a:rPr>
+              <a:t>Programming completed</a:t>
+            </a:r>
+            <a:endParaRPr lang="en-US" sz="2400" dirty="0">
+              <a:latin typeface="Arial" pitchFamily="34" charset="0"/>
+              <a:cs typeface="Arial" pitchFamily="34" charset="0"/>
+            </a:endParaRPr>
+          </a:p>
+        </p:txBody>
+      </p:sp>
       <p:cxnSp>
         <p:nvCxnSpPr>
-          <p:cNvPr id="66" name="Straight Arrow Connector 284"/>
+          <p:cNvPr id="69" name="Straight Arrow Connector 284"/>
           <p:cNvCxnSpPr>
             <a:cxnSpLocks noChangeShapeType="1"/>
           </p:cNvCxnSpPr>
@@ -4073,8 +4084,8 @@
         </p:nvCxnSpPr>
         <p:spPr bwMode="auto">
           <a:xfrm>
-            <a:off x="4459492" y="3698964"/>
-            <a:ext cx="0" cy="427431"/>
+            <a:off x="7696200" y="4267588"/>
+            <a:ext cx="1" cy="262340"/>
           </a:xfrm>
           <a:prstGeom prst="straightConnector1">
             <a:avLst/>
@@ -4092,7 +4103,7 @@
       </p:cxnSp>
       <p:sp>
         <p:nvSpPr>
-          <p:cNvPr id="67" name="TextBox 305"/>
+          <p:cNvPr id="74" name="TextBox 283"/>
           <p:cNvSpPr txBox="1">
             <a:spLocks noChangeArrowheads="1"/>
           </p:cNvSpPr>
@@ -4100,48 +4111,8 @@
         </p:nvSpPr>
         <p:spPr bwMode="auto">
           <a:xfrm>
-            <a:off x="4457890" y="3681853"/>
-            <a:ext cx="944694" cy="461651"/>
-          </a:xfrm>
-          <a:prstGeom prst="rect">
-            <a:avLst/>
-          </a:prstGeom>
-          <a:noFill/>
-          <a:ln w="9525">
-            <a:noFill/>
-            <a:miter lim="800000"/>
-            <a:headEnd/>
-            <a:tailEnd/>
-          </a:ln>
-        </p:spPr>
-        <p:txBody>
-          <a:bodyPr wrap="square" lIns="91427" tIns="45713" rIns="91427" bIns="45713">
-            <a:spAutoFit/>
-          </a:bodyPr>
-          <a:lstStyle/>
-          <a:p>
-            <a:r>
-              <a:rPr lang="en-US" sz="2400" dirty="0">
-                <a:latin typeface="Arial" pitchFamily="34" charset="0"/>
-                <a:cs typeface="Arial" pitchFamily="34" charset="0"/>
-              </a:rPr>
-              <a:t>Yes</a:t>
-            </a:r>
-          </a:p>
-        </p:txBody>
-      </p:sp>
-      <p:sp>
-        <p:nvSpPr>
-          <p:cNvPr id="68" name="TextBox 296"/>
-          <p:cNvSpPr txBox="1">
-            <a:spLocks noChangeArrowheads="1"/>
-          </p:cNvSpPr>
-          <p:nvPr/>
-        </p:nvSpPr>
-        <p:spPr bwMode="auto">
-          <a:xfrm>
-            <a:off x="3422857" y="4127139"/>
-            <a:ext cx="2104606" cy="830983"/>
+            <a:off x="6324600" y="2698542"/>
+            <a:ext cx="2743202" cy="1569646"/>
           </a:xfrm>
           <a:prstGeom prst="rect">
             <a:avLst/>
@@ -4167,14 +4138,49 @@
                 <a:latin typeface="Arial" pitchFamily="34" charset="0"/>
                 <a:cs typeface="Arial" pitchFamily="34" charset="0"/>
               </a:rPr>
-              <a:t>Programming </a:t>
+              <a:t>Set a transient state as T</a:t>
+            </a:r>
+            <a:r>
+              <a:rPr lang="en-US" sz="2400" baseline="-25000" dirty="0" smtClean="0">
+                <a:latin typeface="Arial" pitchFamily="34" charset="0"/>
+                <a:cs typeface="Arial" pitchFamily="34" charset="0"/>
+              </a:rPr>
+              <a:t>2</a:t>
             </a:r>
             <a:r>
               <a:rPr lang="en-US" sz="2400" dirty="0" smtClean="0">
                 <a:latin typeface="Arial" pitchFamily="34" charset="0"/>
                 <a:cs typeface="Arial" pitchFamily="34" charset="0"/>
               </a:rPr>
-              <a:t>completed</a:t>
+              <a:t>T</a:t>
+            </a:r>
+            <a:r>
+              <a:rPr lang="en-US" sz="2400" baseline="-25000" dirty="0" smtClean="0">
+                <a:latin typeface="Arial" pitchFamily="34" charset="0"/>
+                <a:cs typeface="Arial" pitchFamily="34" charset="0"/>
+              </a:rPr>
+              <a:t>1</a:t>
+            </a:r>
+            <a:r>
+              <a:rPr lang="en-US" sz="2400" dirty="0" smtClean="0">
+                <a:latin typeface="Arial" pitchFamily="34" charset="0"/>
+                <a:cs typeface="Arial" pitchFamily="34" charset="0"/>
+              </a:rPr>
+              <a:t>T</a:t>
+            </a:r>
+            <a:r>
+              <a:rPr lang="en-US" sz="2400" baseline="-25000" dirty="0" smtClean="0">
+                <a:latin typeface="Arial" pitchFamily="34" charset="0"/>
+                <a:cs typeface="Arial" pitchFamily="34" charset="0"/>
+              </a:rPr>
+              <a:t>0</a:t>
+            </a:r>
+            <a:r>
+              <a:rPr lang="en-US" sz="2400" dirty="0" smtClean="0">
+                <a:latin typeface="Arial" pitchFamily="34" charset="0"/>
+                <a:cs typeface="Arial" pitchFamily="34" charset="0"/>
+              </a:rPr>
+              <a:t>+1, and deploy H2L W&amp;V to reach it</a:t>
             </a:r>
             <a:endParaRPr lang="en-US" sz="2400" dirty="0">
               <a:latin typeface="Arial" pitchFamily="34" charset="0"/>
@@ -4183,9 +4189,97 @@
           </a:p>
         </p:txBody>
       </p:sp>
+      <p:sp>
+        <p:nvSpPr>
+          <p:cNvPr id="75" name="TextBox 283"/>
+          <p:cNvSpPr txBox="1">
+            <a:spLocks noChangeArrowheads="1"/>
+          </p:cNvSpPr>
+          <p:nvPr/>
+        </p:nvSpPr>
+        <p:spPr bwMode="auto">
+          <a:xfrm>
+            <a:off x="6324600" y="4529928"/>
+            <a:ext cx="2743202" cy="1569646"/>
+          </a:xfrm>
+          <a:prstGeom prst="rect">
+            <a:avLst/>
+          </a:prstGeom>
+          <a:noFill/>
+          <a:ln w="19050">
+            <a:solidFill>
+              <a:schemeClr val="tx1"/>
+            </a:solidFill>
+            <a:miter lim="800000"/>
+            <a:headEnd/>
+            <a:tailEnd/>
+          </a:ln>
+        </p:spPr>
+        <p:txBody>
+          <a:bodyPr wrap="square" lIns="91427" tIns="45713" rIns="91427" bIns="45713">
+            <a:spAutoFit/>
+          </a:bodyPr>
+          <a:lstStyle/>
+          <a:p>
+            <a:r>
+              <a:rPr lang="en-US" sz="2400" dirty="0" smtClean="0">
+                <a:latin typeface="Arial" pitchFamily="34" charset="0"/>
+                <a:cs typeface="Arial" pitchFamily="34" charset="0"/>
+              </a:rPr>
+              <a:t>Start from the transient state, deploy L2H W&amp;V to </a:t>
+            </a:r>
+            <a:r>
+              <a:rPr lang="en-US" sz="2400" dirty="0">
+                <a:latin typeface="Arial" pitchFamily="34" charset="0"/>
+                <a:cs typeface="Arial" pitchFamily="34" charset="0"/>
+              </a:rPr>
+              <a:t>reach T</a:t>
+            </a:r>
+            <a:r>
+              <a:rPr lang="en-US" sz="2400" baseline="-25000" dirty="0">
+                <a:latin typeface="Arial" pitchFamily="34" charset="0"/>
+                <a:cs typeface="Arial" pitchFamily="34" charset="0"/>
+              </a:rPr>
+              <a:t>2</a:t>
+            </a:r>
+            <a:r>
+              <a:rPr lang="en-US" sz="2400" dirty="0">
+                <a:latin typeface="Arial" pitchFamily="34" charset="0"/>
+                <a:cs typeface="Arial" pitchFamily="34" charset="0"/>
+              </a:rPr>
+              <a:t>T</a:t>
+            </a:r>
+            <a:r>
+              <a:rPr lang="en-US" sz="2400" baseline="-25000" dirty="0">
+                <a:latin typeface="Arial" pitchFamily="34" charset="0"/>
+                <a:cs typeface="Arial" pitchFamily="34" charset="0"/>
+              </a:rPr>
+              <a:t>1</a:t>
+            </a:r>
+            <a:r>
+              <a:rPr lang="en-US" sz="2400" dirty="0">
+                <a:latin typeface="Arial" pitchFamily="34" charset="0"/>
+                <a:cs typeface="Arial" pitchFamily="34" charset="0"/>
+              </a:rPr>
+              <a:t>T</a:t>
+            </a:r>
+            <a:r>
+              <a:rPr lang="en-US" sz="2400" baseline="-25000" dirty="0">
+                <a:latin typeface="Arial" pitchFamily="34" charset="0"/>
+                <a:cs typeface="Arial" pitchFamily="34" charset="0"/>
+              </a:rPr>
+              <a:t>0</a:t>
+            </a:r>
+            <a:endParaRPr lang="en-US" sz="2400" dirty="0">
+              <a:latin typeface="Arial" pitchFamily="34" charset="0"/>
+              <a:cs typeface="Arial" pitchFamily="34" charset="0"/>
+            </a:endParaRPr>
+          </a:p>
+        </p:txBody>
+      </p:sp>
       <p:cxnSp>
         <p:nvCxnSpPr>
-          <p:cNvPr id="69" name="Straight Arrow Connector 284"/>
+          <p:cNvPr id="80" name="Straight Arrow Connector 284"/>
           <p:cNvCxnSpPr>
             <a:cxnSpLocks noChangeShapeType="1"/>
           </p:cNvCxnSpPr>
@@ -4193,8 +4287,8 @@
         </p:nvCxnSpPr>
         <p:spPr bwMode="auto">
           <a:xfrm>
-            <a:off x="7382164" y="3698964"/>
-            <a:ext cx="0" cy="350872"/>
+            <a:off x="4923082" y="2605276"/>
+            <a:ext cx="1" cy="381710"/>
           </a:xfrm>
           <a:prstGeom prst="straightConnector1">
             <a:avLst/>
@@ -4210,285 +4304,18 @@
           </a:ln>
         </p:spPr>
       </p:cxnSp>
-      <p:sp>
-        <p:nvSpPr>
-          <p:cNvPr id="71" name="TextBox 4142"/>
-          <p:cNvSpPr txBox="1">
-            <a:spLocks noChangeArrowheads="1"/>
-          </p:cNvSpPr>
-          <p:nvPr/>
-        </p:nvSpPr>
-        <p:spPr bwMode="auto">
-          <a:xfrm>
-            <a:off x="4925234" y="893737"/>
-            <a:ext cx="615950" cy="461651"/>
-          </a:xfrm>
-          <a:prstGeom prst="rect">
-            <a:avLst/>
-          </a:prstGeom>
-          <a:noFill/>
-          <a:ln w="9525">
-            <a:noFill/>
-            <a:miter lim="800000"/>
-            <a:headEnd/>
-            <a:tailEnd/>
-          </a:ln>
-        </p:spPr>
-        <p:txBody>
-          <a:bodyPr lIns="91427" tIns="45713" rIns="91427" bIns="45713">
-            <a:spAutoFit/>
-          </a:bodyPr>
-          <a:lstStyle/>
-          <a:p>
-            <a:r>
-              <a:rPr lang="en-US" sz="2400" dirty="0">
-                <a:latin typeface="Arial" pitchFamily="34" charset="0"/>
-                <a:cs typeface="Arial" pitchFamily="34" charset="0"/>
-              </a:rPr>
-              <a:t>No</a:t>
-            </a:r>
-          </a:p>
-        </p:txBody>
-      </p:sp>
-      <p:sp>
-        <p:nvSpPr>
-          <p:cNvPr id="74" name="TextBox 283"/>
-          <p:cNvSpPr txBox="1">
-            <a:spLocks noChangeArrowheads="1"/>
-          </p:cNvSpPr>
-          <p:nvPr/>
-        </p:nvSpPr>
-        <p:spPr bwMode="auto">
-          <a:xfrm>
-            <a:off x="5638800" y="2489513"/>
-            <a:ext cx="3505200" cy="1200314"/>
-          </a:xfrm>
-          <a:prstGeom prst="rect">
-            <a:avLst/>
-          </a:prstGeom>
-          <a:noFill/>
-          <a:ln w="19050">
-            <a:solidFill>
-              <a:schemeClr val="tx1"/>
-            </a:solidFill>
-            <a:miter lim="800000"/>
-            <a:headEnd/>
-            <a:tailEnd/>
-          </a:ln>
-        </p:spPr>
-        <p:txBody>
-          <a:bodyPr wrap="square" lIns="91427" tIns="45713" rIns="91427" bIns="45713">
-            <a:spAutoFit/>
-          </a:bodyPr>
-          <a:lstStyle/>
-          <a:p>
-            <a:r>
-              <a:rPr lang="en-US" sz="2400" dirty="0" smtClean="0">
-                <a:latin typeface="Arial" pitchFamily="34" charset="0"/>
-                <a:cs typeface="Arial" pitchFamily="34" charset="0"/>
-              </a:rPr>
-              <a:t>Set the transient state as T</a:t>
-            </a:r>
-            <a:r>
-              <a:rPr lang="en-US" sz="2400" baseline="-25000" dirty="0" smtClean="0">
-                <a:latin typeface="Arial" pitchFamily="34" charset="0"/>
-                <a:cs typeface="Arial" pitchFamily="34" charset="0"/>
-              </a:rPr>
-              <a:t>2</a:t>
-            </a:r>
-            <a:r>
-              <a:rPr lang="en-US" sz="2400" dirty="0" smtClean="0">
-                <a:latin typeface="Arial" pitchFamily="34" charset="0"/>
-                <a:cs typeface="Arial" pitchFamily="34" charset="0"/>
-              </a:rPr>
-              <a:t>T</a:t>
-            </a:r>
-            <a:r>
-              <a:rPr lang="en-US" sz="2400" baseline="-25000" dirty="0" smtClean="0">
-                <a:latin typeface="Arial" pitchFamily="34" charset="0"/>
-                <a:cs typeface="Arial" pitchFamily="34" charset="0"/>
-              </a:rPr>
-              <a:t>1</a:t>
-            </a:r>
-            <a:r>
-              <a:rPr lang="en-US" sz="2400" dirty="0" smtClean="0">
-                <a:latin typeface="Arial" pitchFamily="34" charset="0"/>
-                <a:cs typeface="Arial" pitchFamily="34" charset="0"/>
-              </a:rPr>
-              <a:t>T</a:t>
-            </a:r>
-            <a:r>
-              <a:rPr lang="en-US" sz="2400" baseline="-25000" dirty="0" smtClean="0">
-                <a:latin typeface="Arial" pitchFamily="34" charset="0"/>
-                <a:cs typeface="Arial" pitchFamily="34" charset="0"/>
-              </a:rPr>
-              <a:t>0</a:t>
-            </a:r>
-            <a:r>
-              <a:rPr lang="en-US" sz="2400" dirty="0" smtClean="0">
-                <a:latin typeface="Arial" pitchFamily="34" charset="0"/>
-                <a:cs typeface="Arial" pitchFamily="34" charset="0"/>
-              </a:rPr>
-              <a:t>+1, and deploy L2H W&amp;V to </a:t>
-            </a:r>
-            <a:r>
-              <a:rPr lang="en-US" sz="2400" dirty="0" smtClean="0">
-                <a:latin typeface="Arial" pitchFamily="34" charset="0"/>
-                <a:cs typeface="Arial" pitchFamily="34" charset="0"/>
-              </a:rPr>
-              <a:t>reach </a:t>
-            </a:r>
-            <a:r>
-              <a:rPr lang="en-US" sz="2400" dirty="0" smtClean="0">
-                <a:latin typeface="Arial" pitchFamily="34" charset="0"/>
-                <a:cs typeface="Arial" pitchFamily="34" charset="0"/>
-              </a:rPr>
-              <a:t>it</a:t>
-            </a:r>
-            <a:endParaRPr lang="en-US" sz="2400" dirty="0">
-              <a:latin typeface="Arial" pitchFamily="34" charset="0"/>
-              <a:cs typeface="Arial" pitchFamily="34" charset="0"/>
-            </a:endParaRPr>
-          </a:p>
-        </p:txBody>
-      </p:sp>
-      <p:sp>
-        <p:nvSpPr>
-          <p:cNvPr id="75" name="TextBox 283"/>
-          <p:cNvSpPr txBox="1">
-            <a:spLocks noChangeArrowheads="1"/>
-          </p:cNvSpPr>
-          <p:nvPr/>
-        </p:nvSpPr>
-        <p:spPr bwMode="auto">
-          <a:xfrm>
-            <a:off x="5638800" y="4046213"/>
-            <a:ext cx="3495963" cy="1200314"/>
-          </a:xfrm>
-          <a:prstGeom prst="rect">
-            <a:avLst/>
-          </a:prstGeom>
-          <a:noFill/>
-          <a:ln w="19050">
-            <a:solidFill>
-              <a:schemeClr val="tx1"/>
-            </a:solidFill>
-            <a:miter lim="800000"/>
-            <a:headEnd/>
-            <a:tailEnd/>
-          </a:ln>
-        </p:spPr>
-        <p:txBody>
-          <a:bodyPr wrap="square" lIns="91427" tIns="45713" rIns="91427" bIns="45713">
-            <a:spAutoFit/>
-          </a:bodyPr>
-          <a:lstStyle/>
-          <a:p>
-            <a:r>
-              <a:rPr lang="en-US" sz="2400" dirty="0" smtClean="0">
-                <a:latin typeface="Arial" pitchFamily="34" charset="0"/>
-                <a:cs typeface="Arial" pitchFamily="34" charset="0"/>
-              </a:rPr>
-              <a:t>Start from the </a:t>
-            </a:r>
-            <a:r>
-              <a:rPr lang="en-US" sz="2400" dirty="0" smtClean="0">
-                <a:latin typeface="Arial" pitchFamily="34" charset="0"/>
-                <a:cs typeface="Arial" pitchFamily="34" charset="0"/>
-              </a:rPr>
-              <a:t>t</a:t>
-            </a:r>
-            <a:r>
-              <a:rPr lang="en-US" sz="2400" dirty="0" smtClean="0">
-                <a:latin typeface="Arial" pitchFamily="34" charset="0"/>
-                <a:cs typeface="Arial" pitchFamily="34" charset="0"/>
-              </a:rPr>
-              <a:t>ransient </a:t>
-            </a:r>
-            <a:r>
-              <a:rPr lang="en-US" sz="2400" dirty="0" smtClean="0">
-                <a:latin typeface="Arial" pitchFamily="34" charset="0"/>
-                <a:cs typeface="Arial" pitchFamily="34" charset="0"/>
-              </a:rPr>
-              <a:t>state, </a:t>
-            </a:r>
-            <a:r>
-              <a:rPr lang="en-US" sz="2400" dirty="0" smtClean="0">
-                <a:latin typeface="Arial" pitchFamily="34" charset="0"/>
-                <a:cs typeface="Arial" pitchFamily="34" charset="0"/>
-              </a:rPr>
-              <a:t>deploy </a:t>
-            </a:r>
-            <a:r>
-              <a:rPr lang="en-US" sz="2400" dirty="0" smtClean="0">
-                <a:latin typeface="Arial" pitchFamily="34" charset="0"/>
-                <a:cs typeface="Arial" pitchFamily="34" charset="0"/>
-              </a:rPr>
-              <a:t>H2L W&amp;V to </a:t>
-            </a:r>
-            <a:r>
-              <a:rPr lang="en-US" sz="2400" dirty="0">
-                <a:latin typeface="Arial" pitchFamily="34" charset="0"/>
-                <a:cs typeface="Arial" pitchFamily="34" charset="0"/>
-              </a:rPr>
-              <a:t>reach T</a:t>
-            </a:r>
-            <a:r>
-              <a:rPr lang="en-US" sz="2400" baseline="-25000" dirty="0">
-                <a:latin typeface="Arial" pitchFamily="34" charset="0"/>
-                <a:cs typeface="Arial" pitchFamily="34" charset="0"/>
-              </a:rPr>
-              <a:t>2</a:t>
-            </a:r>
-            <a:r>
-              <a:rPr lang="en-US" sz="2400" dirty="0">
-                <a:latin typeface="Arial" pitchFamily="34" charset="0"/>
-                <a:cs typeface="Arial" pitchFamily="34" charset="0"/>
-              </a:rPr>
-              <a:t>T</a:t>
-            </a:r>
-            <a:r>
-              <a:rPr lang="en-US" sz="2400" baseline="-25000" dirty="0">
-                <a:latin typeface="Arial" pitchFamily="34" charset="0"/>
-                <a:cs typeface="Arial" pitchFamily="34" charset="0"/>
-              </a:rPr>
-              <a:t>1</a:t>
-            </a:r>
-            <a:r>
-              <a:rPr lang="en-US" sz="2400" dirty="0">
-                <a:latin typeface="Arial" pitchFamily="34" charset="0"/>
-                <a:cs typeface="Arial" pitchFamily="34" charset="0"/>
-              </a:rPr>
-              <a:t>T</a:t>
-            </a:r>
-            <a:r>
-              <a:rPr lang="en-US" sz="2400" baseline="-25000" dirty="0">
-                <a:latin typeface="Arial" pitchFamily="34" charset="0"/>
-                <a:cs typeface="Arial" pitchFamily="34" charset="0"/>
-              </a:rPr>
-              <a:t>0</a:t>
-            </a:r>
-            <a:endParaRPr lang="en-US" sz="2400" dirty="0">
-              <a:latin typeface="Arial" pitchFamily="34" charset="0"/>
-              <a:cs typeface="Arial" pitchFamily="34" charset="0"/>
-            </a:endParaRPr>
-          </a:p>
-        </p:txBody>
-      </p:sp>
       <p:cxnSp>
         <p:nvCxnSpPr>
-          <p:cNvPr id="77" name="Straight Arrow Connector 4141"/>
+          <p:cNvPr id="85" name="Straight Arrow Connector 284"/>
           <p:cNvCxnSpPr>
             <a:cxnSpLocks noChangeShapeType="1"/>
-            <a:stCxn id="20" idx="3"/>
-            <a:endCxn id="74" idx="1"/>
           </p:cNvCxnSpPr>
           <p:nvPr/>
         </p:nvCxnSpPr>
         <p:spPr bwMode="auto">
-          <a:xfrm flipV="1">
-            <a:off x="5251582" y="3089670"/>
-            <a:ext cx="387218" cy="378469"/>
+          <a:xfrm>
+            <a:off x="4923082" y="3448637"/>
+            <a:ext cx="1" cy="381710"/>
           </a:xfrm>
           <a:prstGeom prst="straightConnector1">
             <a:avLst/>
@@ -4506,7 +4333,7 @@
       </p:cxnSp>
       <p:sp>
         <p:nvSpPr>
-          <p:cNvPr id="79" name="TextBox 4142"/>
+          <p:cNvPr id="86" name="TextBox 285"/>
           <p:cNvSpPr txBox="1">
             <a:spLocks noChangeArrowheads="1"/>
           </p:cNvSpPr>
@@ -4514,8 +4341,8 @@
         </p:nvSpPr>
         <p:spPr bwMode="auto">
           <a:xfrm>
-            <a:off x="5059797" y="2824942"/>
-            <a:ext cx="615950" cy="461651"/>
+            <a:off x="5734050" y="2821207"/>
+            <a:ext cx="747432" cy="461651"/>
           </a:xfrm>
           <a:prstGeom prst="rect">
             <a:avLst/>
@@ -4529,33 +4356,79 @@
           </a:ln>
         </p:spPr>
         <p:txBody>
-          <a:bodyPr lIns="91427" tIns="45713" rIns="91427" bIns="45713">
+          <a:bodyPr wrap="square" lIns="91427" tIns="45713" rIns="91427" bIns="45713">
             <a:spAutoFit/>
           </a:bodyPr>
           <a:lstStyle/>
           <a:p>
             <a:r>
+              <a:rPr lang="en-US" sz="2400" dirty="0" smtClean="0">
+                <a:latin typeface="Arial" pitchFamily="34" charset="0"/>
+                <a:cs typeface="Arial" pitchFamily="34" charset="0"/>
+              </a:rPr>
+              <a:t>No</a:t>
+            </a:r>
+            <a:endParaRPr lang="en-US" sz="2400" dirty="0">
+              <a:latin typeface="Arial" pitchFamily="34" charset="0"/>
+              <a:cs typeface="Arial" pitchFamily="34" charset="0"/>
+            </a:endParaRPr>
+          </a:p>
+        </p:txBody>
+      </p:sp>
+      <p:sp>
+        <p:nvSpPr>
+          <p:cNvPr id="87" name="TextBox 305"/>
+          <p:cNvSpPr txBox="1">
+            <a:spLocks noChangeArrowheads="1"/>
+          </p:cNvSpPr>
+          <p:nvPr/>
+        </p:nvSpPr>
+        <p:spPr bwMode="auto">
+          <a:xfrm>
+            <a:off x="4929417" y="3408666"/>
+            <a:ext cx="944694" cy="461651"/>
+          </a:xfrm>
+          <a:prstGeom prst="rect">
+            <a:avLst/>
+          </a:prstGeom>
+          <a:noFill/>
+          <a:ln w="9525">
+            <a:noFill/>
+            <a:miter lim="800000"/>
+            <a:headEnd/>
+            <a:tailEnd/>
+          </a:ln>
+        </p:spPr>
+        <p:txBody>
+          <a:bodyPr wrap="square" lIns="91427" tIns="45713" rIns="91427" bIns="45713">
+            <a:spAutoFit/>
+          </a:bodyPr>
+          <a:lstStyle/>
+          <a:p>
+            <a:r>
               <a:rPr lang="en-US" sz="2400" dirty="0">
                 <a:latin typeface="Arial" pitchFamily="34" charset="0"/>
                 <a:cs typeface="Arial" pitchFamily="34" charset="0"/>
               </a:rPr>
-              <a:t>No</a:t>
+              <a:t>Yes</a:t>
             </a:r>
           </a:p>
         </p:txBody>
       </p:sp>
       <p:cxnSp>
         <p:nvCxnSpPr>
-          <p:cNvPr id="35" name="Straight Arrow Connector 284"/>
+          <p:cNvPr id="88" name="Straight Arrow Connector 299"/>
           <p:cNvCxnSpPr>
             <a:cxnSpLocks noChangeShapeType="1"/>
+            <a:stCxn id="19" idx="3"/>
+            <a:endCxn id="16" idx="1"/>
           </p:cNvCxnSpPr>
           <p:nvPr/>
         </p:nvCxnSpPr>
         <p:spPr bwMode="auto">
-          <a:xfrm>
-            <a:off x="4459492" y="2809882"/>
-            <a:ext cx="0" cy="427431"/>
+          <a:xfrm flipV="1">
+            <a:off x="5450040" y="2361994"/>
+            <a:ext cx="874560" cy="764"/>
           </a:xfrm>
           <a:prstGeom prst="straightConnector1">
             <a:avLst/>
@@ -4571,6 +4444,46 @@
           </a:ln>
         </p:spPr>
       </p:cxnSp>
+      <p:sp>
+        <p:nvSpPr>
+          <p:cNvPr id="91" name="TextBox 305"/>
+          <p:cNvSpPr txBox="1">
+            <a:spLocks noChangeArrowheads="1"/>
+          </p:cNvSpPr>
+          <p:nvPr/>
+        </p:nvSpPr>
+        <p:spPr bwMode="auto">
+          <a:xfrm>
+            <a:off x="4929417" y="2565305"/>
+            <a:ext cx="944694" cy="461651"/>
+          </a:xfrm>
+          <a:prstGeom prst="rect">
+            <a:avLst/>
+          </a:prstGeom>
+          <a:noFill/>
+          <a:ln w="9525">
+            <a:noFill/>
+            <a:miter lim="800000"/>
+            <a:headEnd/>
+            <a:tailEnd/>
+          </a:ln>
+        </p:spPr>
+        <p:txBody>
+          <a:bodyPr wrap="square" lIns="91427" tIns="45713" rIns="91427" bIns="45713">
+            <a:spAutoFit/>
+          </a:bodyPr>
+          <a:lstStyle/>
+          <a:p>
+            <a:r>
+              <a:rPr lang="en-US" sz="2400" dirty="0">
+                <a:latin typeface="Arial" pitchFamily="34" charset="0"/>
+                <a:cs typeface="Arial" pitchFamily="34" charset="0"/>
+              </a:rPr>
+              <a:t>Yes</a:t>
+            </a:r>
+          </a:p>
+        </p:txBody>
+      </p:sp>
     </p:spTree>
   </p:cSld>
   <p:clrMapOvr>
